--- a/Introduction.pptx
+++ b/Introduction.pptx
@@ -5,27 +5,29 @@
     <p:sldMasterId id="2147483680" r:id="rId1"/>
   </p:sldMasterIdLst>
   <p:notesMasterIdLst>
-    <p:notesMasterId r:id="rId5"/>
+    <p:notesMasterId r:id="rId7"/>
   </p:notesMasterIdLst>
   <p:sldIdLst>
     <p:sldId id="256" r:id="rId2"/>
     <p:sldId id="308" r:id="rId3"/>
-    <p:sldId id="579" r:id="rId4"/>
+    <p:sldId id="580" r:id="rId4"/>
+    <p:sldId id="581" r:id="rId5"/>
+    <p:sldId id="579" r:id="rId6"/>
   </p:sldIdLst>
   <p:sldSz cx="9144000" cy="5143500" type="screen16x9"/>
   <p:notesSz cx="6858000" cy="9144000"/>
   <p:embeddedFontLst>
     <p:embeddedFont>
       <p:font typeface="Montserrat" panose="00000500000000000000" pitchFamily="2" charset="0"/>
-      <p:regular r:id="rId6"/>
-      <p:bold r:id="rId7"/>
-      <p:italic r:id="rId8"/>
-      <p:boldItalic r:id="rId9"/>
+      <p:regular r:id="rId8"/>
+      <p:bold r:id="rId9"/>
+      <p:italic r:id="rId10"/>
+      <p:boldItalic r:id="rId11"/>
     </p:embeddedFont>
     <p:embeddedFont>
       <p:font typeface="Tahoma" panose="020B0604030504040204" pitchFamily="34" charset="0"/>
-      <p:regular r:id="rId10"/>
-      <p:bold r:id="rId11"/>
+      <p:regular r:id="rId12"/>
+      <p:bold r:id="rId13"/>
     </p:embeddedFont>
   </p:embeddedFontLst>
   <p:defaultTextStyle>
@@ -1104,6 +1106,564 @@
 </file>
 
 <file path=ppt/notesSlides/notesSlide3.xml><?xml version="1.0" encoding="utf-8"?>
+<p:notes xmlns:a="http://schemas.openxmlformats.org/drawingml/2006/main" xmlns:r="http://schemas.openxmlformats.org/officeDocument/2006/relationships" xmlns:p="http://schemas.openxmlformats.org/presentationml/2006/main" showMasterSp="0" showMasterPhAnim="0">
+  <p:cSld>
+    <p:spTree>
+      <p:nvGrpSpPr>
+        <p:cNvPr id="1" name="Shape 99"/>
+        <p:cNvGrpSpPr/>
+        <p:nvPr/>
+      </p:nvGrpSpPr>
+      <p:grpSpPr>
+        <a:xfrm>
+          <a:off x="0" y="0"/>
+          <a:ext cx="0" cy="0"/>
+          <a:chOff x="0" y="0"/>
+          <a:chExt cx="0" cy="0"/>
+        </a:xfrm>
+      </p:grpSpPr>
+      <p:sp>
+        <p:nvSpPr>
+          <p:cNvPr id="103" name="Google Shape;103;p2:notes"/>
+          <p:cNvSpPr txBox="1">
+            <a:spLocks noGrp="1"/>
+          </p:cNvSpPr>
+          <p:nvPr>
+            <p:ph type="sldNum" idx="12"/>
+          </p:nvPr>
+        </p:nvSpPr>
+        <p:spPr/>
+        <p:txBody>
+          <a:bodyPr/>
+          <a:lstStyle/>
+          <a:p>
+            <a:pPr marL="0" marR="0" lvl="0" indent="0" algn="r" defTabSz="457200" rtl="0" eaLnBrk="1" fontAlgn="auto" latinLnBrk="0" hangingPunct="1">
+              <a:lnSpc>
+                <a:spcPct val="100000"/>
+              </a:lnSpc>
+              <a:spcBef>
+                <a:spcPts val="0"/>
+              </a:spcBef>
+              <a:spcAft>
+                <a:spcPts val="0"/>
+              </a:spcAft>
+              <a:buClrTx/>
+              <a:buSzTx/>
+              <a:buFontTx/>
+              <a:buNone/>
+              <a:tabLst/>
+              <a:defRPr/>
+            </a:pPr>
+            <a:r>
+              <a:rPr kumimoji="0" lang="en-US" sz="900" b="0" i="0" u="none" strike="noStrike" kern="1200" cap="none" spc="0" normalizeH="0" baseline="0" noProof="0">
+                <a:ln>
+                  <a:noFill/>
+                </a:ln>
+                <a:solidFill>
+                  <a:prstClr val="black"/>
+                </a:solidFill>
+                <a:effectLst/>
+                <a:uLnTx/>
+                <a:uFillTx/>
+                <a:latin typeface="Tahoma" panose="020B0604030504040204" pitchFamily="34" charset="0"/>
+                <a:ea typeface="Tahoma" panose="020B0604030504040204" pitchFamily="34" charset="0"/>
+                <a:cs typeface="Tahoma" panose="020B0604030504040204" pitchFamily="34" charset="0"/>
+                <a:sym typeface="Tahoma"/>
+              </a:rPr>
+              <a:t>Page </a:t>
+            </a:r>
+            <a:fld id="{00000000-1234-1234-1234-123412341234}" type="slidenum">
+              <a:rPr kumimoji="0" lang="en-US" sz="900" b="0" i="0" u="none" strike="noStrike" kern="1200" cap="none" spc="0" normalizeH="0" baseline="0" noProof="0">
+                <a:ln>
+                  <a:noFill/>
+                </a:ln>
+                <a:solidFill>
+                  <a:prstClr val="black"/>
+                </a:solidFill>
+                <a:effectLst/>
+                <a:uLnTx/>
+                <a:uFillTx/>
+                <a:latin typeface="Tahoma" panose="020B0604030504040204" pitchFamily="34" charset="0"/>
+                <a:ea typeface="Tahoma" panose="020B0604030504040204" pitchFamily="34" charset="0"/>
+                <a:cs typeface="Tahoma" panose="020B0604030504040204" pitchFamily="34" charset="0"/>
+                <a:sym typeface="Tahoma"/>
+              </a:rPr>
+              <a:pPr marL="0" marR="0" lvl="0" indent="0" algn="r" defTabSz="457200" rtl="0" eaLnBrk="1" fontAlgn="auto" latinLnBrk="0" hangingPunct="1">
+                <a:lnSpc>
+                  <a:spcPct val="100000"/>
+                </a:lnSpc>
+                <a:spcBef>
+                  <a:spcPts val="0"/>
+                </a:spcBef>
+                <a:spcAft>
+                  <a:spcPts val="0"/>
+                </a:spcAft>
+                <a:buClrTx/>
+                <a:buSzTx/>
+                <a:buFontTx/>
+                <a:buNone/>
+                <a:tabLst/>
+                <a:defRPr/>
+              </a:pPr>
+              <a:t>3</a:t>
+            </a:fld>
+            <a:endParaRPr kumimoji="0" sz="900" b="0" i="0" u="none" strike="noStrike" kern="1200" cap="none" spc="0" normalizeH="0" baseline="0" noProof="0">
+              <a:ln>
+                <a:noFill/>
+              </a:ln>
+              <a:solidFill>
+                <a:prstClr val="black"/>
+              </a:solidFill>
+              <a:effectLst/>
+              <a:uLnTx/>
+              <a:uFillTx/>
+              <a:latin typeface="Tahoma" panose="020B0604030504040204" pitchFamily="34" charset="0"/>
+              <a:ea typeface="Tahoma" panose="020B0604030504040204" pitchFamily="34" charset="0"/>
+              <a:cs typeface="Tahoma" panose="020B0604030504040204" pitchFamily="34" charset="0"/>
+              <a:sym typeface="Tahoma"/>
+            </a:endParaRPr>
+          </a:p>
+        </p:txBody>
+      </p:sp>
+      <p:cxnSp>
+        <p:nvCxnSpPr>
+          <p:cNvPr id="104" name="Google Shape;104;p2:notes"/>
+          <p:cNvCxnSpPr/>
+          <p:nvPr/>
+        </p:nvCxnSpPr>
+        <p:spPr>
+          <a:xfrm>
+            <a:off x="365760" y="9372600"/>
+            <a:ext cx="6583680" cy="0"/>
+          </a:xfrm>
+          <a:prstGeom prst="straightConnector1">
+            <a:avLst/>
+          </a:prstGeom>
+          <a:noFill/>
+          <a:ln w="12700" cap="flat" cmpd="sng">
+            <a:solidFill>
+              <a:schemeClr val="dk1"/>
+            </a:solidFill>
+            <a:prstDash val="solid"/>
+            <a:round/>
+            <a:headEnd type="none" w="sm" len="sm"/>
+            <a:tailEnd type="none" w="sm" len="sm"/>
+          </a:ln>
+        </p:spPr>
+      </p:cxnSp>
+      <p:sp>
+        <p:nvSpPr>
+          <p:cNvPr id="4" name="Slide Image Placeholder 3">
+            <a:extLst>
+              <a:ext uri="{FF2B5EF4-FFF2-40B4-BE49-F238E27FC236}">
+                <a16:creationId xmlns:a16="http://schemas.microsoft.com/office/drawing/2014/main" id="{C6651E4F-0F74-4807-B109-72F69342846A}"/>
+              </a:ext>
+            </a:extLst>
+          </p:cNvPr>
+          <p:cNvSpPr>
+            <a:spLocks noGrp="1" noRot="1" noChangeAspect="1"/>
+          </p:cNvSpPr>
+          <p:nvPr>
+            <p:ph type="sldImg"/>
+          </p:nvPr>
+        </p:nvSpPr>
+        <p:spPr>
+          <a:xfrm>
+            <a:off x="381000" y="685800"/>
+            <a:ext cx="6096000" cy="3429000"/>
+          </a:xfrm>
+        </p:spPr>
+      </p:sp>
+      <p:sp>
+        <p:nvSpPr>
+          <p:cNvPr id="5" name="Notes Placeholder 4">
+            <a:extLst>
+              <a:ext uri="{FF2B5EF4-FFF2-40B4-BE49-F238E27FC236}">
+                <a16:creationId xmlns:a16="http://schemas.microsoft.com/office/drawing/2014/main" id="{26A914A2-DC88-4F91-BFCB-7471F18DB7EF}"/>
+              </a:ext>
+            </a:extLst>
+          </p:cNvPr>
+          <p:cNvSpPr>
+            <a:spLocks noGrp="1"/>
+          </p:cNvSpPr>
+          <p:nvPr>
+            <p:ph type="body" idx="1"/>
+          </p:nvPr>
+        </p:nvSpPr>
+        <p:spPr/>
+        <p:txBody>
+          <a:bodyPr/>
+          <a:lstStyle/>
+          <a:p>
+            <a:endParaRPr lang="en-US"/>
+          </a:p>
+        </p:txBody>
+      </p:sp>
+      <p:sp>
+        <p:nvSpPr>
+          <p:cNvPr id="3" name="Footer Placeholder 2">
+            <a:extLst>
+              <a:ext uri="{FF2B5EF4-FFF2-40B4-BE49-F238E27FC236}">
+                <a16:creationId xmlns:a16="http://schemas.microsoft.com/office/drawing/2014/main" id="{45AD2489-3425-4496-A204-D0870DD401C9}"/>
+              </a:ext>
+            </a:extLst>
+          </p:cNvPr>
+          <p:cNvSpPr>
+            <a:spLocks noGrp="1"/>
+          </p:cNvSpPr>
+          <p:nvPr>
+            <p:ph type="ftr" sz="quarter" idx="4"/>
+          </p:nvPr>
+        </p:nvSpPr>
+        <p:spPr/>
+        <p:txBody>
+          <a:bodyPr/>
+          <a:lstStyle/>
+          <a:p>
+            <a:pPr marL="0" marR="0" lvl="0" indent="0" algn="l" defTabSz="457200" rtl="0" eaLnBrk="1" fontAlgn="auto" latinLnBrk="0" hangingPunct="1">
+              <a:lnSpc>
+                <a:spcPct val="100000"/>
+              </a:lnSpc>
+              <a:spcBef>
+                <a:spcPts val="0"/>
+              </a:spcBef>
+              <a:spcAft>
+                <a:spcPts val="0"/>
+              </a:spcAft>
+              <a:buClrTx/>
+              <a:buSzTx/>
+              <a:buFontTx/>
+              <a:buNone/>
+              <a:tabLst/>
+              <a:defRPr/>
+            </a:pPr>
+            <a:r>
+              <a:rPr kumimoji="0" lang="en-US" sz="900" b="0" i="0" u="none" strike="noStrike" kern="1200" cap="none" spc="0" normalizeH="0" baseline="0" noProof="0">
+                <a:ln>
+                  <a:noFill/>
+                </a:ln>
+                <a:solidFill>
+                  <a:prstClr val="black"/>
+                </a:solidFill>
+                <a:effectLst/>
+                <a:uLnTx/>
+                <a:uFillTx/>
+                <a:latin typeface="Tahoma" panose="020B0604030504040204" pitchFamily="34" charset="0"/>
+                <a:ea typeface="Tahoma" panose="020B0604030504040204" pitchFamily="34" charset="0"/>
+                <a:cs typeface="Tahoma" panose="020B0604030504040204" pitchFamily="34" charset="0"/>
+              </a:rPr>
+              <a:t>© 2017-2021 Palo Alto Networks, Inc.</a:t>
+            </a:r>
+            <a:endParaRPr kumimoji="0" lang="en-US" sz="900" b="0" i="0" u="none" strike="noStrike" kern="1200" cap="none" spc="0" normalizeH="0" baseline="0" noProof="0" dirty="0">
+              <a:ln>
+                <a:noFill/>
+              </a:ln>
+              <a:solidFill>
+                <a:prstClr val="black"/>
+              </a:solidFill>
+              <a:effectLst/>
+              <a:uLnTx/>
+              <a:uFillTx/>
+              <a:latin typeface="Tahoma" panose="020B0604030504040204" pitchFamily="34" charset="0"/>
+              <a:ea typeface="Tahoma" panose="020B0604030504040204" pitchFamily="34" charset="0"/>
+              <a:cs typeface="Tahoma" panose="020B0604030504040204" pitchFamily="34" charset="0"/>
+            </a:endParaRPr>
+          </a:p>
+        </p:txBody>
+      </p:sp>
+    </p:spTree>
+    <p:extLst>
+      <p:ext uri="{BB962C8B-B14F-4D97-AF65-F5344CB8AC3E}">
+        <p14:creationId xmlns:p14="http://schemas.microsoft.com/office/powerpoint/2010/main" val="2212134087"/>
+      </p:ext>
+    </p:extLst>
+  </p:cSld>
+  <p:clrMapOvr>
+    <a:masterClrMapping/>
+  </p:clrMapOvr>
+</p:notes>
+</file>
+
+<file path=ppt/notesSlides/notesSlide4.xml><?xml version="1.0" encoding="utf-8"?>
+<p:notes xmlns:a="http://schemas.openxmlformats.org/drawingml/2006/main" xmlns:r="http://schemas.openxmlformats.org/officeDocument/2006/relationships" xmlns:p="http://schemas.openxmlformats.org/presentationml/2006/main" showMasterSp="0" showMasterPhAnim="0">
+  <p:cSld>
+    <p:spTree>
+      <p:nvGrpSpPr>
+        <p:cNvPr id="1" name="Shape 99"/>
+        <p:cNvGrpSpPr/>
+        <p:nvPr/>
+      </p:nvGrpSpPr>
+      <p:grpSpPr>
+        <a:xfrm>
+          <a:off x="0" y="0"/>
+          <a:ext cx="0" cy="0"/>
+          <a:chOff x="0" y="0"/>
+          <a:chExt cx="0" cy="0"/>
+        </a:xfrm>
+      </p:grpSpPr>
+      <p:sp>
+        <p:nvSpPr>
+          <p:cNvPr id="103" name="Google Shape;103;p2:notes"/>
+          <p:cNvSpPr txBox="1">
+            <a:spLocks noGrp="1"/>
+          </p:cNvSpPr>
+          <p:nvPr>
+            <p:ph type="sldNum" idx="12"/>
+          </p:nvPr>
+        </p:nvSpPr>
+        <p:spPr/>
+        <p:txBody>
+          <a:bodyPr/>
+          <a:lstStyle/>
+          <a:p>
+            <a:pPr marL="0" marR="0" lvl="0" indent="0" algn="r" defTabSz="457200" rtl="0" eaLnBrk="1" fontAlgn="auto" latinLnBrk="0" hangingPunct="1">
+              <a:lnSpc>
+                <a:spcPct val="100000"/>
+              </a:lnSpc>
+              <a:spcBef>
+                <a:spcPts val="0"/>
+              </a:spcBef>
+              <a:spcAft>
+                <a:spcPts val="0"/>
+              </a:spcAft>
+              <a:buClrTx/>
+              <a:buSzTx/>
+              <a:buFontTx/>
+              <a:buNone/>
+              <a:tabLst/>
+              <a:defRPr/>
+            </a:pPr>
+            <a:r>
+              <a:rPr kumimoji="0" lang="en-US" sz="900" b="0" i="0" u="none" strike="noStrike" kern="1200" cap="none" spc="0" normalizeH="0" baseline="0" noProof="0">
+                <a:ln>
+                  <a:noFill/>
+                </a:ln>
+                <a:solidFill>
+                  <a:prstClr val="black"/>
+                </a:solidFill>
+                <a:effectLst/>
+                <a:uLnTx/>
+                <a:uFillTx/>
+                <a:latin typeface="Tahoma" panose="020B0604030504040204" pitchFamily="34" charset="0"/>
+                <a:ea typeface="Tahoma" panose="020B0604030504040204" pitchFamily="34" charset="0"/>
+                <a:cs typeface="Tahoma" panose="020B0604030504040204" pitchFamily="34" charset="0"/>
+                <a:sym typeface="Tahoma"/>
+              </a:rPr>
+              <a:t>Page </a:t>
+            </a:r>
+            <a:fld id="{00000000-1234-1234-1234-123412341234}" type="slidenum">
+              <a:rPr kumimoji="0" lang="en-US" sz="900" b="0" i="0" u="none" strike="noStrike" kern="1200" cap="none" spc="0" normalizeH="0" baseline="0" noProof="0">
+                <a:ln>
+                  <a:noFill/>
+                </a:ln>
+                <a:solidFill>
+                  <a:prstClr val="black"/>
+                </a:solidFill>
+                <a:effectLst/>
+                <a:uLnTx/>
+                <a:uFillTx/>
+                <a:latin typeface="Tahoma" panose="020B0604030504040204" pitchFamily="34" charset="0"/>
+                <a:ea typeface="Tahoma" panose="020B0604030504040204" pitchFamily="34" charset="0"/>
+                <a:cs typeface="Tahoma" panose="020B0604030504040204" pitchFamily="34" charset="0"/>
+                <a:sym typeface="Tahoma"/>
+              </a:rPr>
+              <a:pPr marL="0" marR="0" lvl="0" indent="0" algn="r" defTabSz="457200" rtl="0" eaLnBrk="1" fontAlgn="auto" latinLnBrk="0" hangingPunct="1">
+                <a:lnSpc>
+                  <a:spcPct val="100000"/>
+                </a:lnSpc>
+                <a:spcBef>
+                  <a:spcPts val="0"/>
+                </a:spcBef>
+                <a:spcAft>
+                  <a:spcPts val="0"/>
+                </a:spcAft>
+                <a:buClrTx/>
+                <a:buSzTx/>
+                <a:buFontTx/>
+                <a:buNone/>
+                <a:tabLst/>
+                <a:defRPr/>
+              </a:pPr>
+              <a:t>4</a:t>
+            </a:fld>
+            <a:endParaRPr kumimoji="0" sz="900" b="0" i="0" u="none" strike="noStrike" kern="1200" cap="none" spc="0" normalizeH="0" baseline="0" noProof="0">
+              <a:ln>
+                <a:noFill/>
+              </a:ln>
+              <a:solidFill>
+                <a:prstClr val="black"/>
+              </a:solidFill>
+              <a:effectLst/>
+              <a:uLnTx/>
+              <a:uFillTx/>
+              <a:latin typeface="Tahoma" panose="020B0604030504040204" pitchFamily="34" charset="0"/>
+              <a:ea typeface="Tahoma" panose="020B0604030504040204" pitchFamily="34" charset="0"/>
+              <a:cs typeface="Tahoma" panose="020B0604030504040204" pitchFamily="34" charset="0"/>
+              <a:sym typeface="Tahoma"/>
+            </a:endParaRPr>
+          </a:p>
+        </p:txBody>
+      </p:sp>
+      <p:cxnSp>
+        <p:nvCxnSpPr>
+          <p:cNvPr id="104" name="Google Shape;104;p2:notes"/>
+          <p:cNvCxnSpPr/>
+          <p:nvPr/>
+        </p:nvCxnSpPr>
+        <p:spPr>
+          <a:xfrm>
+            <a:off x="365760" y="9372600"/>
+            <a:ext cx="6583680" cy="0"/>
+          </a:xfrm>
+          <a:prstGeom prst="straightConnector1">
+            <a:avLst/>
+          </a:prstGeom>
+          <a:noFill/>
+          <a:ln w="12700" cap="flat" cmpd="sng">
+            <a:solidFill>
+              <a:schemeClr val="dk1"/>
+            </a:solidFill>
+            <a:prstDash val="solid"/>
+            <a:round/>
+            <a:headEnd type="none" w="sm" len="sm"/>
+            <a:tailEnd type="none" w="sm" len="sm"/>
+          </a:ln>
+        </p:spPr>
+      </p:cxnSp>
+      <p:sp>
+        <p:nvSpPr>
+          <p:cNvPr id="4" name="Slide Image Placeholder 3">
+            <a:extLst>
+              <a:ext uri="{FF2B5EF4-FFF2-40B4-BE49-F238E27FC236}">
+                <a16:creationId xmlns:a16="http://schemas.microsoft.com/office/drawing/2014/main" id="{C6651E4F-0F74-4807-B109-72F69342846A}"/>
+              </a:ext>
+            </a:extLst>
+          </p:cNvPr>
+          <p:cNvSpPr>
+            <a:spLocks noGrp="1" noRot="1" noChangeAspect="1"/>
+          </p:cNvSpPr>
+          <p:nvPr>
+            <p:ph type="sldImg"/>
+          </p:nvPr>
+        </p:nvSpPr>
+        <p:spPr>
+          <a:xfrm>
+            <a:off x="381000" y="685800"/>
+            <a:ext cx="6096000" cy="3429000"/>
+          </a:xfrm>
+        </p:spPr>
+      </p:sp>
+      <p:sp>
+        <p:nvSpPr>
+          <p:cNvPr id="5" name="Notes Placeholder 4">
+            <a:extLst>
+              <a:ext uri="{FF2B5EF4-FFF2-40B4-BE49-F238E27FC236}">
+                <a16:creationId xmlns:a16="http://schemas.microsoft.com/office/drawing/2014/main" id="{26A914A2-DC88-4F91-BFCB-7471F18DB7EF}"/>
+              </a:ext>
+            </a:extLst>
+          </p:cNvPr>
+          <p:cNvSpPr>
+            <a:spLocks noGrp="1"/>
+          </p:cNvSpPr>
+          <p:nvPr>
+            <p:ph type="body" idx="1"/>
+          </p:nvPr>
+        </p:nvSpPr>
+        <p:spPr/>
+        <p:txBody>
+          <a:bodyPr/>
+          <a:lstStyle/>
+          <a:p>
+            <a:endParaRPr lang="en-US"/>
+          </a:p>
+        </p:txBody>
+      </p:sp>
+      <p:sp>
+        <p:nvSpPr>
+          <p:cNvPr id="3" name="Footer Placeholder 2">
+            <a:extLst>
+              <a:ext uri="{FF2B5EF4-FFF2-40B4-BE49-F238E27FC236}">
+                <a16:creationId xmlns:a16="http://schemas.microsoft.com/office/drawing/2014/main" id="{45AD2489-3425-4496-A204-D0870DD401C9}"/>
+              </a:ext>
+            </a:extLst>
+          </p:cNvPr>
+          <p:cNvSpPr>
+            <a:spLocks noGrp="1"/>
+          </p:cNvSpPr>
+          <p:nvPr>
+            <p:ph type="ftr" sz="quarter" idx="4"/>
+          </p:nvPr>
+        </p:nvSpPr>
+        <p:spPr/>
+        <p:txBody>
+          <a:bodyPr/>
+          <a:lstStyle/>
+          <a:p>
+            <a:pPr marL="0" marR="0" lvl="0" indent="0" algn="l" defTabSz="457200" rtl="0" eaLnBrk="1" fontAlgn="auto" latinLnBrk="0" hangingPunct="1">
+              <a:lnSpc>
+                <a:spcPct val="100000"/>
+              </a:lnSpc>
+              <a:spcBef>
+                <a:spcPts val="0"/>
+              </a:spcBef>
+              <a:spcAft>
+                <a:spcPts val="0"/>
+              </a:spcAft>
+              <a:buClrTx/>
+              <a:buSzTx/>
+              <a:buFontTx/>
+              <a:buNone/>
+              <a:tabLst/>
+              <a:defRPr/>
+            </a:pPr>
+            <a:r>
+              <a:rPr kumimoji="0" lang="en-US" sz="900" b="0" i="0" u="none" strike="noStrike" kern="1200" cap="none" spc="0" normalizeH="0" baseline="0" noProof="0">
+                <a:ln>
+                  <a:noFill/>
+                </a:ln>
+                <a:solidFill>
+                  <a:prstClr val="black"/>
+                </a:solidFill>
+                <a:effectLst/>
+                <a:uLnTx/>
+                <a:uFillTx/>
+                <a:latin typeface="Tahoma" panose="020B0604030504040204" pitchFamily="34" charset="0"/>
+                <a:ea typeface="Tahoma" panose="020B0604030504040204" pitchFamily="34" charset="0"/>
+                <a:cs typeface="Tahoma" panose="020B0604030504040204" pitchFamily="34" charset="0"/>
+              </a:rPr>
+              <a:t>© 2017-2021 Palo Alto Networks, Inc.</a:t>
+            </a:r>
+            <a:endParaRPr kumimoji="0" lang="en-US" sz="900" b="0" i="0" u="none" strike="noStrike" kern="1200" cap="none" spc="0" normalizeH="0" baseline="0" noProof="0" dirty="0">
+              <a:ln>
+                <a:noFill/>
+              </a:ln>
+              <a:solidFill>
+                <a:prstClr val="black"/>
+              </a:solidFill>
+              <a:effectLst/>
+              <a:uLnTx/>
+              <a:uFillTx/>
+              <a:latin typeface="Tahoma" panose="020B0604030504040204" pitchFamily="34" charset="0"/>
+              <a:ea typeface="Tahoma" panose="020B0604030504040204" pitchFamily="34" charset="0"/>
+              <a:cs typeface="Tahoma" panose="020B0604030504040204" pitchFamily="34" charset="0"/>
+            </a:endParaRPr>
+          </a:p>
+        </p:txBody>
+      </p:sp>
+    </p:spTree>
+    <p:extLst>
+      <p:ext uri="{BB962C8B-B14F-4D97-AF65-F5344CB8AC3E}">
+        <p14:creationId xmlns:p14="http://schemas.microsoft.com/office/powerpoint/2010/main" val="3444908950"/>
+      </p:ext>
+    </p:extLst>
+  </p:cSld>
+  <p:clrMapOvr>
+    <a:masterClrMapping/>
+  </p:clrMapOvr>
+</p:notes>
+</file>
+
+<file path=ppt/notesSlides/notesSlide5.xml><?xml version="1.0" encoding="utf-8"?>
 <p:notes xmlns:a="http://schemas.openxmlformats.org/drawingml/2006/main" xmlns:r="http://schemas.openxmlformats.org/officeDocument/2006/relationships" xmlns:p="http://schemas.openxmlformats.org/presentationml/2006/main">
   <p:cSld>
     <p:spTree>
@@ -1190,7 +1750,7 @@
             <a:fld id="{E1868A37-018F-8B43-8C0C-36107DAB25CC}" type="slidenum">
               <a:rPr lang="en-US" smtClean="0"/>
               <a:pPr/>
-              <a:t>3</a:t>
+              <a:t>5</a:t>
             </a:fld>
             <a:endParaRPr lang="en-US" dirty="0"/>
           </a:p>
@@ -5402,6 +5962,870 @@
   <p:cSld>
     <p:spTree>
       <p:nvGrpSpPr>
+        <p:cNvPr id="1" name="Shape 105"/>
+        <p:cNvGrpSpPr/>
+        <p:nvPr/>
+      </p:nvGrpSpPr>
+      <p:grpSpPr>
+        <a:xfrm>
+          <a:off x="0" y="0"/>
+          <a:ext cx="0" cy="0"/>
+          <a:chOff x="0" y="0"/>
+          <a:chExt cx="0" cy="0"/>
+        </a:xfrm>
+      </p:grpSpPr>
+      <p:sp>
+        <p:nvSpPr>
+          <p:cNvPr id="106" name="Google Shape;106;p2"/>
+          <p:cNvSpPr txBox="1">
+            <a:spLocks noGrp="1"/>
+          </p:cNvSpPr>
+          <p:nvPr>
+            <p:ph type="title"/>
+          </p:nvPr>
+        </p:nvSpPr>
+        <p:spPr>
+          <a:prstGeom prst="rect">
+            <a:avLst/>
+          </a:prstGeom>
+          <a:noFill/>
+          <a:ln>
+            <a:noFill/>
+          </a:ln>
+        </p:spPr>
+        <p:txBody>
+          <a:bodyPr spcFirstLastPara="1" wrap="square" lIns="91425" tIns="91425" rIns="91425" bIns="91425" anchor="t" anchorCtr="0">
+            <a:noAutofit/>
+          </a:bodyPr>
+          <a:lstStyle/>
+          <a:p>
+            <a:pPr marL="0" lvl="0" indent="0" algn="l" rtl="0">
+              <a:lnSpc>
+                <a:spcPct val="90000"/>
+              </a:lnSpc>
+              <a:spcBef>
+                <a:spcPts val="0"/>
+              </a:spcBef>
+              <a:spcAft>
+                <a:spcPts val="0"/>
+              </a:spcAft>
+              <a:buClr>
+                <a:schemeClr val="dk1"/>
+              </a:buClr>
+              <a:buSzPts val="2000"/>
+              <a:buFont typeface="Tahoma"/>
+              <a:buNone/>
+            </a:pPr>
+            <a:r>
+              <a:rPr lang="en-US" dirty="0" err="1"/>
+              <a:t>KMean</a:t>
+            </a:r>
+            <a:r>
+              <a:rPr lang="en-US" dirty="0"/>
+              <a:t> - Clustering</a:t>
+            </a:r>
+            <a:endParaRPr dirty="0"/>
+          </a:p>
+        </p:txBody>
+      </p:sp>
+      <p:sp>
+        <p:nvSpPr>
+          <p:cNvPr id="2" name="Footer Placeholder 1">
+            <a:extLst>
+              <a:ext uri="{FF2B5EF4-FFF2-40B4-BE49-F238E27FC236}">
+                <a16:creationId xmlns:a16="http://schemas.microsoft.com/office/drawing/2014/main" id="{1CE1B3F3-0CB1-48FE-B47E-27096B4C2A47}"/>
+              </a:ext>
+            </a:extLst>
+          </p:cNvPr>
+          <p:cNvSpPr>
+            <a:spLocks noGrp="1"/>
+          </p:cNvSpPr>
+          <p:nvPr>
+            <p:ph type="ftr" sz="quarter" idx="11"/>
+          </p:nvPr>
+        </p:nvSpPr>
+        <p:spPr/>
+        <p:txBody>
+          <a:bodyPr/>
+          <a:lstStyle/>
+          <a:p>
+            <a:pPr marL="0" marR="0" lvl="0" indent="0" algn="l" defTabSz="457200" rtl="0" eaLnBrk="1" fontAlgn="auto" latinLnBrk="0" hangingPunct="1">
+              <a:lnSpc>
+                <a:spcPct val="100000"/>
+              </a:lnSpc>
+              <a:spcBef>
+                <a:spcPts val="0"/>
+              </a:spcBef>
+              <a:spcAft>
+                <a:spcPts val="0"/>
+              </a:spcAft>
+              <a:buClrTx/>
+              <a:buSzTx/>
+              <a:buFontTx/>
+              <a:buNone/>
+              <a:tabLst/>
+              <a:defRPr/>
+            </a:pPr>
+            <a:r>
+              <a:rPr kumimoji="0" lang="en-US" sz="650" b="0" i="0" u="none" strike="noStrike" kern="1200" cap="none" spc="0" normalizeH="0" baseline="0" noProof="0" dirty="0">
+                <a:ln>
+                  <a:noFill/>
+                </a:ln>
+                <a:solidFill>
+                  <a:prstClr val="white"/>
+                </a:solidFill>
+                <a:effectLst/>
+                <a:uLnTx/>
+                <a:uFillTx/>
+                <a:latin typeface="Tahoma" panose="020B0604030504040204" pitchFamily="34" charset="0"/>
+                <a:ea typeface="+mn-ea"/>
+                <a:cs typeface="+mn-cs"/>
+              </a:rPr>
+              <a:t>| © 2018-2023 Xerxez Solutions </a:t>
+            </a:r>
+          </a:p>
+        </p:txBody>
+      </p:sp>
+      <p:sp>
+        <p:nvSpPr>
+          <p:cNvPr id="3" name="Slide Number Placeholder 2">
+            <a:extLst>
+              <a:ext uri="{FF2B5EF4-FFF2-40B4-BE49-F238E27FC236}">
+                <a16:creationId xmlns:a16="http://schemas.microsoft.com/office/drawing/2014/main" id="{E56F2092-D25E-4403-B9FD-8C962910E0D2}"/>
+              </a:ext>
+            </a:extLst>
+          </p:cNvPr>
+          <p:cNvSpPr>
+            <a:spLocks noGrp="1"/>
+          </p:cNvSpPr>
+          <p:nvPr>
+            <p:ph type="sldNum" sz="quarter" idx="12"/>
+          </p:nvPr>
+        </p:nvSpPr>
+        <p:spPr/>
+        <p:txBody>
+          <a:bodyPr/>
+          <a:lstStyle/>
+          <a:p>
+            <a:pPr marL="0" marR="0" lvl="0" indent="0" algn="r" defTabSz="457200" rtl="0" eaLnBrk="1" fontAlgn="auto" latinLnBrk="0" hangingPunct="1">
+              <a:lnSpc>
+                <a:spcPct val="100000"/>
+              </a:lnSpc>
+              <a:spcBef>
+                <a:spcPts val="0"/>
+              </a:spcBef>
+              <a:spcAft>
+                <a:spcPts val="0"/>
+              </a:spcAft>
+              <a:buClrTx/>
+              <a:buSzTx/>
+              <a:buFontTx/>
+              <a:buNone/>
+              <a:tabLst/>
+              <a:defRPr/>
+            </a:pPr>
+            <a:fld id="{00000000-1234-1234-1234-123412341234}" type="slidenum">
+              <a:rPr kumimoji="0" lang="en-US" sz="650" b="1" i="0" u="none" strike="noStrike" kern="1200" cap="none" spc="0" normalizeH="0" baseline="0" noProof="0" smtClean="0">
+                <a:ln>
+                  <a:noFill/>
+                </a:ln>
+                <a:solidFill>
+                  <a:prstClr val="white"/>
+                </a:solidFill>
+                <a:effectLst/>
+                <a:uLnTx/>
+                <a:uFillTx/>
+                <a:latin typeface="Tahoma" panose="020B0604030504040204" pitchFamily="34" charset="0"/>
+                <a:ea typeface="+mn-ea"/>
+                <a:cs typeface="+mn-cs"/>
+              </a:rPr>
+              <a:pPr marL="0" marR="0" lvl="0" indent="0" algn="r" defTabSz="457200" rtl="0" eaLnBrk="1" fontAlgn="auto" latinLnBrk="0" hangingPunct="1">
+                <a:lnSpc>
+                  <a:spcPct val="100000"/>
+                </a:lnSpc>
+                <a:spcBef>
+                  <a:spcPts val="0"/>
+                </a:spcBef>
+                <a:spcAft>
+                  <a:spcPts val="0"/>
+                </a:spcAft>
+                <a:buClrTx/>
+                <a:buSzTx/>
+                <a:buFontTx/>
+                <a:buNone/>
+                <a:tabLst/>
+                <a:defRPr/>
+              </a:pPr>
+              <a:t>3</a:t>
+            </a:fld>
+            <a:endParaRPr kumimoji="0" lang="en-US" sz="650" b="1" i="0" u="none" strike="noStrike" kern="1200" cap="none" spc="0" normalizeH="0" baseline="0" noProof="0">
+              <a:ln>
+                <a:noFill/>
+              </a:ln>
+              <a:solidFill>
+                <a:prstClr val="white"/>
+              </a:solidFill>
+              <a:effectLst/>
+              <a:uLnTx/>
+              <a:uFillTx/>
+              <a:latin typeface="Tahoma" panose="020B0604030504040204" pitchFamily="34" charset="0"/>
+              <a:ea typeface="+mn-ea"/>
+              <a:cs typeface="+mn-cs"/>
+            </a:endParaRPr>
+          </a:p>
+        </p:txBody>
+      </p:sp>
+      <p:sp>
+        <p:nvSpPr>
+          <p:cNvPr id="109" name="Google Shape;109;p2"/>
+          <p:cNvSpPr txBox="1">
+            <a:spLocks noGrp="1"/>
+          </p:cNvSpPr>
+          <p:nvPr>
+            <p:ph type="body" sz="quarter" idx="13"/>
+          </p:nvPr>
+        </p:nvSpPr>
+        <p:spPr>
+          <a:xfrm>
+            <a:off x="311150" y="640080"/>
+            <a:ext cx="8425656" cy="4178808"/>
+          </a:xfrm>
+          <a:prstGeom prst="rect">
+            <a:avLst/>
+          </a:prstGeom>
+          <a:noFill/>
+          <a:ln>
+            <a:noFill/>
+          </a:ln>
+        </p:spPr>
+        <p:txBody>
+          <a:bodyPr spcFirstLastPara="1" wrap="square" lIns="91425" tIns="91425" rIns="91425" bIns="91425" anchor="t" anchorCtr="0">
+            <a:noAutofit/>
+          </a:bodyPr>
+          <a:lstStyle/>
+          <a:p>
+            <a:pPr marL="228600" lvl="0" indent="-228600" algn="l" rtl="0">
+              <a:lnSpc>
+                <a:spcPct val="100000"/>
+              </a:lnSpc>
+              <a:spcBef>
+                <a:spcPts val="0"/>
+              </a:spcBef>
+              <a:spcAft>
+                <a:spcPts val="0"/>
+              </a:spcAft>
+              <a:buSzPts val="2070"/>
+              <a:buChar char="•"/>
+            </a:pPr>
+            <a:r>
+              <a:rPr lang="en-US" dirty="0"/>
+              <a:t>The working of the K-Means algorithm is explained in the below steps:</a:t>
+            </a:r>
+          </a:p>
+          <a:p>
+            <a:pPr marL="228600" lvl="0" indent="-228600" algn="l" rtl="0">
+              <a:lnSpc>
+                <a:spcPct val="100000"/>
+              </a:lnSpc>
+              <a:spcBef>
+                <a:spcPts val="0"/>
+              </a:spcBef>
+              <a:spcAft>
+                <a:spcPts val="0"/>
+              </a:spcAft>
+              <a:buSzPts val="2070"/>
+              <a:buChar char="•"/>
+            </a:pPr>
+            <a:r>
+              <a:rPr lang="en-US" dirty="0"/>
+              <a:t>Step-1: Select the number K to decide the number of clusters.</a:t>
+            </a:r>
+          </a:p>
+          <a:p>
+            <a:pPr marL="228600" lvl="0" indent="-228600" algn="l" rtl="0">
+              <a:lnSpc>
+                <a:spcPct val="100000"/>
+              </a:lnSpc>
+              <a:spcBef>
+                <a:spcPts val="0"/>
+              </a:spcBef>
+              <a:spcAft>
+                <a:spcPts val="0"/>
+              </a:spcAft>
+              <a:buSzPts val="2070"/>
+              <a:buChar char="•"/>
+            </a:pPr>
+            <a:r>
+              <a:rPr lang="en-US" dirty="0"/>
+              <a:t>Step-2: Select random K points or centroids. (It can be other from the input dataset).</a:t>
+            </a:r>
+          </a:p>
+          <a:p>
+            <a:pPr marL="228600" lvl="0" indent="-228600" algn="l" rtl="0">
+              <a:lnSpc>
+                <a:spcPct val="100000"/>
+              </a:lnSpc>
+              <a:spcBef>
+                <a:spcPts val="0"/>
+              </a:spcBef>
+              <a:spcAft>
+                <a:spcPts val="0"/>
+              </a:spcAft>
+              <a:buSzPts val="2070"/>
+              <a:buChar char="•"/>
+            </a:pPr>
+            <a:r>
+              <a:rPr lang="en-US" dirty="0"/>
+              <a:t>Step-3: Assign each data point to their closest centroid, which will form the predefined K clusters.</a:t>
+            </a:r>
+          </a:p>
+          <a:p>
+            <a:pPr marL="228600" lvl="0" indent="-228600" algn="l" rtl="0">
+              <a:lnSpc>
+                <a:spcPct val="100000"/>
+              </a:lnSpc>
+              <a:spcBef>
+                <a:spcPts val="0"/>
+              </a:spcBef>
+              <a:spcAft>
+                <a:spcPts val="0"/>
+              </a:spcAft>
+              <a:buSzPts val="2070"/>
+              <a:buChar char="•"/>
+            </a:pPr>
+            <a:r>
+              <a:rPr lang="en-US" dirty="0"/>
+              <a:t>Step-4: Calculate the variance and place a new centroid of each cluster.</a:t>
+            </a:r>
+          </a:p>
+          <a:p>
+            <a:pPr marL="228600" lvl="0" indent="-228600" algn="l" rtl="0">
+              <a:lnSpc>
+                <a:spcPct val="100000"/>
+              </a:lnSpc>
+              <a:spcBef>
+                <a:spcPts val="0"/>
+              </a:spcBef>
+              <a:spcAft>
+                <a:spcPts val="0"/>
+              </a:spcAft>
+              <a:buSzPts val="2070"/>
+              <a:buChar char="•"/>
+            </a:pPr>
+            <a:r>
+              <a:rPr lang="en-US" dirty="0"/>
+              <a:t>Step-5: Repeat the third steps, which means reassign each datapoint to the new closest centroid of each cluster.</a:t>
+            </a:r>
+          </a:p>
+          <a:p>
+            <a:pPr marL="228600" lvl="0" indent="-228600" algn="l" rtl="0">
+              <a:lnSpc>
+                <a:spcPct val="100000"/>
+              </a:lnSpc>
+              <a:spcBef>
+                <a:spcPts val="0"/>
+              </a:spcBef>
+              <a:spcAft>
+                <a:spcPts val="0"/>
+              </a:spcAft>
+              <a:buSzPts val="2070"/>
+              <a:buChar char="•"/>
+            </a:pPr>
+            <a:r>
+              <a:rPr lang="en-US" dirty="0"/>
+              <a:t>Step-6: If any reassignment occurs, then go to step-4 else go to FINISH.</a:t>
+            </a:r>
+          </a:p>
+          <a:p>
+            <a:pPr marL="228600" lvl="0" indent="-228600" algn="l" rtl="0">
+              <a:lnSpc>
+                <a:spcPct val="100000"/>
+              </a:lnSpc>
+              <a:spcBef>
+                <a:spcPts val="0"/>
+              </a:spcBef>
+              <a:spcAft>
+                <a:spcPts val="0"/>
+              </a:spcAft>
+              <a:buSzPts val="2070"/>
+              <a:buChar char="•"/>
+            </a:pPr>
+            <a:r>
+              <a:rPr lang="en-US" dirty="0"/>
+              <a:t>Step-7: The model is ready.</a:t>
+            </a:r>
+            <a:endParaRPr dirty="0"/>
+          </a:p>
+        </p:txBody>
+      </p:sp>
+      <p:pic>
+        <p:nvPicPr>
+          <p:cNvPr id="5" name="Picture 4" descr="A black text on a white background&#10;&#10;Description automatically generated with low confidence">
+            <a:extLst>
+              <a:ext uri="{FF2B5EF4-FFF2-40B4-BE49-F238E27FC236}">
+                <a16:creationId xmlns:a16="http://schemas.microsoft.com/office/drawing/2014/main" id="{E2A54B3D-1834-B784-F7EA-55A7FC5F6E3A}"/>
+              </a:ext>
+            </a:extLst>
+          </p:cNvPr>
+          <p:cNvPicPr>
+            <a:picLocks noChangeAspect="1"/>
+          </p:cNvPicPr>
+          <p:nvPr/>
+        </p:nvPicPr>
+        <p:blipFill>
+          <a:blip r:embed="rId3"/>
+          <a:stretch>
+            <a:fillRect/>
+          </a:stretch>
+        </p:blipFill>
+        <p:spPr>
+          <a:xfrm>
+            <a:off x="8133734" y="4864608"/>
+            <a:ext cx="1010265" cy="278892"/>
+          </a:xfrm>
+          <a:prstGeom prst="rect">
+            <a:avLst/>
+          </a:prstGeom>
+        </p:spPr>
+      </p:pic>
+    </p:spTree>
+    <p:extLst>
+      <p:ext uri="{BB962C8B-B14F-4D97-AF65-F5344CB8AC3E}">
+        <p14:creationId xmlns:p14="http://schemas.microsoft.com/office/powerpoint/2010/main" val="4015849998"/>
+      </p:ext>
+    </p:extLst>
+  </p:cSld>
+  <p:clrMapOvr>
+    <a:masterClrMapping/>
+  </p:clrMapOvr>
+</p:sld>
+</file>
+
+<file path=ppt/slides/slide4.xml><?xml version="1.0" encoding="utf-8"?>
+<p:sld xmlns:a="http://schemas.openxmlformats.org/drawingml/2006/main" xmlns:r="http://schemas.openxmlformats.org/officeDocument/2006/relationships" xmlns:p="http://schemas.openxmlformats.org/presentationml/2006/main">
+  <p:cSld>
+    <p:spTree>
+      <p:nvGrpSpPr>
+        <p:cNvPr id="1" name="Shape 105"/>
+        <p:cNvGrpSpPr/>
+        <p:nvPr/>
+      </p:nvGrpSpPr>
+      <p:grpSpPr>
+        <a:xfrm>
+          <a:off x="0" y="0"/>
+          <a:ext cx="0" cy="0"/>
+          <a:chOff x="0" y="0"/>
+          <a:chExt cx="0" cy="0"/>
+        </a:xfrm>
+      </p:grpSpPr>
+      <p:sp>
+        <p:nvSpPr>
+          <p:cNvPr id="106" name="Google Shape;106;p2"/>
+          <p:cNvSpPr txBox="1">
+            <a:spLocks noGrp="1"/>
+          </p:cNvSpPr>
+          <p:nvPr>
+            <p:ph type="title"/>
+          </p:nvPr>
+        </p:nvSpPr>
+        <p:spPr>
+          <a:prstGeom prst="rect">
+            <a:avLst/>
+          </a:prstGeom>
+          <a:noFill/>
+          <a:ln>
+            <a:noFill/>
+          </a:ln>
+        </p:spPr>
+        <p:txBody>
+          <a:bodyPr spcFirstLastPara="1" wrap="square" lIns="91425" tIns="91425" rIns="91425" bIns="91425" anchor="t" anchorCtr="0">
+            <a:noAutofit/>
+          </a:bodyPr>
+          <a:lstStyle/>
+          <a:p>
+            <a:pPr marL="0" lvl="0" indent="0" algn="l" rtl="0">
+              <a:lnSpc>
+                <a:spcPct val="90000"/>
+              </a:lnSpc>
+              <a:spcBef>
+                <a:spcPts val="0"/>
+              </a:spcBef>
+              <a:spcAft>
+                <a:spcPts val="0"/>
+              </a:spcAft>
+              <a:buClr>
+                <a:schemeClr val="dk1"/>
+              </a:buClr>
+              <a:buSzPts val="2000"/>
+              <a:buFont typeface="Tahoma"/>
+              <a:buNone/>
+            </a:pPr>
+            <a:r>
+              <a:rPr lang="en-US" dirty="0" err="1"/>
+              <a:t>KMean</a:t>
+            </a:r>
+            <a:r>
+              <a:rPr lang="en-US" dirty="0"/>
+              <a:t> - Clustering</a:t>
+            </a:r>
+            <a:endParaRPr dirty="0"/>
+          </a:p>
+        </p:txBody>
+      </p:sp>
+      <p:sp>
+        <p:nvSpPr>
+          <p:cNvPr id="2" name="Footer Placeholder 1">
+            <a:extLst>
+              <a:ext uri="{FF2B5EF4-FFF2-40B4-BE49-F238E27FC236}">
+                <a16:creationId xmlns:a16="http://schemas.microsoft.com/office/drawing/2014/main" id="{1CE1B3F3-0CB1-48FE-B47E-27096B4C2A47}"/>
+              </a:ext>
+            </a:extLst>
+          </p:cNvPr>
+          <p:cNvSpPr>
+            <a:spLocks noGrp="1"/>
+          </p:cNvSpPr>
+          <p:nvPr>
+            <p:ph type="ftr" sz="quarter" idx="11"/>
+          </p:nvPr>
+        </p:nvSpPr>
+        <p:spPr/>
+        <p:txBody>
+          <a:bodyPr/>
+          <a:lstStyle/>
+          <a:p>
+            <a:pPr marL="0" marR="0" lvl="0" indent="0" algn="l" defTabSz="457200" rtl="0" eaLnBrk="1" fontAlgn="auto" latinLnBrk="0" hangingPunct="1">
+              <a:lnSpc>
+                <a:spcPct val="100000"/>
+              </a:lnSpc>
+              <a:spcBef>
+                <a:spcPts val="0"/>
+              </a:spcBef>
+              <a:spcAft>
+                <a:spcPts val="0"/>
+              </a:spcAft>
+              <a:buClrTx/>
+              <a:buSzTx/>
+              <a:buFontTx/>
+              <a:buNone/>
+              <a:tabLst/>
+              <a:defRPr/>
+            </a:pPr>
+            <a:r>
+              <a:rPr kumimoji="0" lang="en-US" sz="650" b="0" i="0" u="none" strike="noStrike" kern="1200" cap="none" spc="0" normalizeH="0" baseline="0" noProof="0" dirty="0">
+                <a:ln>
+                  <a:noFill/>
+                </a:ln>
+                <a:solidFill>
+                  <a:prstClr val="white"/>
+                </a:solidFill>
+                <a:effectLst/>
+                <a:uLnTx/>
+                <a:uFillTx/>
+                <a:latin typeface="Tahoma" panose="020B0604030504040204" pitchFamily="34" charset="0"/>
+                <a:ea typeface="+mn-ea"/>
+                <a:cs typeface="+mn-cs"/>
+              </a:rPr>
+              <a:t>| © 2018-2023 Xerxez Solutions </a:t>
+            </a:r>
+          </a:p>
+        </p:txBody>
+      </p:sp>
+      <p:sp>
+        <p:nvSpPr>
+          <p:cNvPr id="3" name="Slide Number Placeholder 2">
+            <a:extLst>
+              <a:ext uri="{FF2B5EF4-FFF2-40B4-BE49-F238E27FC236}">
+                <a16:creationId xmlns:a16="http://schemas.microsoft.com/office/drawing/2014/main" id="{E56F2092-D25E-4403-B9FD-8C962910E0D2}"/>
+              </a:ext>
+            </a:extLst>
+          </p:cNvPr>
+          <p:cNvSpPr>
+            <a:spLocks noGrp="1"/>
+          </p:cNvSpPr>
+          <p:nvPr>
+            <p:ph type="sldNum" sz="quarter" idx="12"/>
+          </p:nvPr>
+        </p:nvSpPr>
+        <p:spPr/>
+        <p:txBody>
+          <a:bodyPr/>
+          <a:lstStyle/>
+          <a:p>
+            <a:pPr marL="0" marR="0" lvl="0" indent="0" algn="r" defTabSz="457200" rtl="0" eaLnBrk="1" fontAlgn="auto" latinLnBrk="0" hangingPunct="1">
+              <a:lnSpc>
+                <a:spcPct val="100000"/>
+              </a:lnSpc>
+              <a:spcBef>
+                <a:spcPts val="0"/>
+              </a:spcBef>
+              <a:spcAft>
+                <a:spcPts val="0"/>
+              </a:spcAft>
+              <a:buClrTx/>
+              <a:buSzTx/>
+              <a:buFontTx/>
+              <a:buNone/>
+              <a:tabLst/>
+              <a:defRPr/>
+            </a:pPr>
+            <a:fld id="{00000000-1234-1234-1234-123412341234}" type="slidenum">
+              <a:rPr kumimoji="0" lang="en-US" sz="650" b="1" i="0" u="none" strike="noStrike" kern="1200" cap="none" spc="0" normalizeH="0" baseline="0" noProof="0" smtClean="0">
+                <a:ln>
+                  <a:noFill/>
+                </a:ln>
+                <a:solidFill>
+                  <a:prstClr val="white"/>
+                </a:solidFill>
+                <a:effectLst/>
+                <a:uLnTx/>
+                <a:uFillTx/>
+                <a:latin typeface="Tahoma" panose="020B0604030504040204" pitchFamily="34" charset="0"/>
+                <a:ea typeface="+mn-ea"/>
+                <a:cs typeface="+mn-cs"/>
+              </a:rPr>
+              <a:pPr marL="0" marR="0" lvl="0" indent="0" algn="r" defTabSz="457200" rtl="0" eaLnBrk="1" fontAlgn="auto" latinLnBrk="0" hangingPunct="1">
+                <a:lnSpc>
+                  <a:spcPct val="100000"/>
+                </a:lnSpc>
+                <a:spcBef>
+                  <a:spcPts val="0"/>
+                </a:spcBef>
+                <a:spcAft>
+                  <a:spcPts val="0"/>
+                </a:spcAft>
+                <a:buClrTx/>
+                <a:buSzTx/>
+                <a:buFontTx/>
+                <a:buNone/>
+                <a:tabLst/>
+                <a:defRPr/>
+              </a:pPr>
+              <a:t>4</a:t>
+            </a:fld>
+            <a:endParaRPr kumimoji="0" lang="en-US" sz="650" b="1" i="0" u="none" strike="noStrike" kern="1200" cap="none" spc="0" normalizeH="0" baseline="0" noProof="0">
+              <a:ln>
+                <a:noFill/>
+              </a:ln>
+              <a:solidFill>
+                <a:prstClr val="white"/>
+              </a:solidFill>
+              <a:effectLst/>
+              <a:uLnTx/>
+              <a:uFillTx/>
+              <a:latin typeface="Tahoma" panose="020B0604030504040204" pitchFamily="34" charset="0"/>
+              <a:ea typeface="+mn-ea"/>
+              <a:cs typeface="+mn-cs"/>
+            </a:endParaRPr>
+          </a:p>
+        </p:txBody>
+      </p:sp>
+      <p:sp>
+        <p:nvSpPr>
+          <p:cNvPr id="109" name="Google Shape;109;p2"/>
+          <p:cNvSpPr txBox="1">
+            <a:spLocks noGrp="1"/>
+          </p:cNvSpPr>
+          <p:nvPr>
+            <p:ph type="body" sz="quarter" idx="13"/>
+          </p:nvPr>
+        </p:nvSpPr>
+        <p:spPr>
+          <a:xfrm>
+            <a:off x="311150" y="640080"/>
+            <a:ext cx="8425656" cy="4178808"/>
+          </a:xfrm>
+          <a:prstGeom prst="rect">
+            <a:avLst/>
+          </a:prstGeom>
+          <a:noFill/>
+          <a:ln>
+            <a:noFill/>
+          </a:ln>
+        </p:spPr>
+        <p:txBody>
+          <a:bodyPr spcFirstLastPara="1" wrap="square" lIns="91425" tIns="91425" rIns="91425" bIns="91425" anchor="t" anchorCtr="0">
+            <a:noAutofit/>
+          </a:bodyPr>
+          <a:lstStyle/>
+          <a:p>
+            <a:pPr>
+              <a:spcBef>
+                <a:spcPts val="0"/>
+              </a:spcBef>
+              <a:buSzPts val="2070"/>
+            </a:pPr>
+            <a:r>
+              <a:rPr lang="en-US" b="0" i="0" dirty="0">
+                <a:solidFill>
+                  <a:srgbClr val="610B38"/>
+                </a:solidFill>
+                <a:effectLst/>
+                <a:latin typeface="erdana"/>
+              </a:rPr>
+              <a:t>K number of clusters</a:t>
+            </a:r>
+          </a:p>
+          <a:p>
+            <a:pPr marL="228600" lvl="0" indent="-228600" algn="l" rtl="0">
+              <a:lnSpc>
+                <a:spcPct val="100000"/>
+              </a:lnSpc>
+              <a:spcBef>
+                <a:spcPts val="0"/>
+              </a:spcBef>
+              <a:spcAft>
+                <a:spcPts val="0"/>
+              </a:spcAft>
+              <a:buSzPts val="2070"/>
+              <a:buChar char="•"/>
+            </a:pPr>
+            <a:r>
+              <a:rPr lang="en-US" b="0" i="0" dirty="0">
+                <a:solidFill>
+                  <a:srgbClr val="333333"/>
+                </a:solidFill>
+                <a:effectLst/>
+                <a:latin typeface="inter-regular"/>
+              </a:rPr>
+              <a:t>The Elbow method is one of the most popular ways to find the optimal number of clusters. This method uses the concept of WCSS value. </a:t>
+            </a:r>
+            <a:r>
+              <a:rPr lang="en-US" b="1" i="0" dirty="0">
+                <a:solidFill>
+                  <a:srgbClr val="333333"/>
+                </a:solidFill>
+                <a:effectLst/>
+                <a:latin typeface="inter-bold"/>
+              </a:rPr>
+              <a:t>WCSS</a:t>
+            </a:r>
+            <a:r>
+              <a:rPr lang="en-US" b="0" i="0" dirty="0">
+                <a:solidFill>
+                  <a:srgbClr val="333333"/>
+                </a:solidFill>
+                <a:effectLst/>
+                <a:latin typeface="inter-regular"/>
+              </a:rPr>
+              <a:t> stands for </a:t>
+            </a:r>
+            <a:r>
+              <a:rPr lang="en-US" b="1" i="0" dirty="0">
+                <a:solidFill>
+                  <a:srgbClr val="333333"/>
+                </a:solidFill>
+                <a:effectLst/>
+                <a:latin typeface="inter-bold"/>
+              </a:rPr>
+              <a:t>Within Cluster Sum of Squares</a:t>
+            </a:r>
+            <a:r>
+              <a:rPr lang="en-US" b="0" i="0" dirty="0">
+                <a:solidFill>
+                  <a:srgbClr val="333333"/>
+                </a:solidFill>
+                <a:effectLst/>
+                <a:latin typeface="inter-regular"/>
+              </a:rPr>
+              <a:t>, which defines the total variations within a cluster. The formula to calculate the value of WCSS (for 3 clusters) is given below:</a:t>
+            </a:r>
+          </a:p>
+          <a:p>
+            <a:pPr marL="228600" lvl="0" indent="-228600" algn="l" rtl="0">
+              <a:lnSpc>
+                <a:spcPct val="100000"/>
+              </a:lnSpc>
+              <a:spcBef>
+                <a:spcPts val="0"/>
+              </a:spcBef>
+              <a:spcAft>
+                <a:spcPts val="0"/>
+              </a:spcAft>
+              <a:buSzPts val="2070"/>
+              <a:buChar char="•"/>
+            </a:pPr>
+            <a:endParaRPr dirty="0"/>
+          </a:p>
+        </p:txBody>
+      </p:sp>
+      <p:pic>
+        <p:nvPicPr>
+          <p:cNvPr id="5" name="Picture 4" descr="A black text on a white background&#10;&#10;Description automatically generated with low confidence">
+            <a:extLst>
+              <a:ext uri="{FF2B5EF4-FFF2-40B4-BE49-F238E27FC236}">
+                <a16:creationId xmlns:a16="http://schemas.microsoft.com/office/drawing/2014/main" id="{E2A54B3D-1834-B784-F7EA-55A7FC5F6E3A}"/>
+              </a:ext>
+            </a:extLst>
+          </p:cNvPr>
+          <p:cNvPicPr>
+            <a:picLocks noChangeAspect="1"/>
+          </p:cNvPicPr>
+          <p:nvPr/>
+        </p:nvPicPr>
+        <p:blipFill>
+          <a:blip r:embed="rId3"/>
+          <a:stretch>
+            <a:fillRect/>
+          </a:stretch>
+        </p:blipFill>
+        <p:spPr>
+          <a:xfrm>
+            <a:off x="8133734" y="4864608"/>
+            <a:ext cx="1010265" cy="278892"/>
+          </a:xfrm>
+          <a:prstGeom prst="rect">
+            <a:avLst/>
+          </a:prstGeom>
+        </p:spPr>
+      </p:pic>
+      <p:pic>
+        <p:nvPicPr>
+          <p:cNvPr id="6" name="Picture 5">
+            <a:extLst>
+              <a:ext uri="{FF2B5EF4-FFF2-40B4-BE49-F238E27FC236}">
+                <a16:creationId xmlns:a16="http://schemas.microsoft.com/office/drawing/2014/main" id="{99D27267-A7E9-AD9C-2550-43367240DD67}"/>
+              </a:ext>
+            </a:extLst>
+          </p:cNvPr>
+          <p:cNvPicPr>
+            <a:picLocks noChangeAspect="1"/>
+          </p:cNvPicPr>
+          <p:nvPr/>
+        </p:nvPicPr>
+        <p:blipFill>
+          <a:blip r:embed="rId4"/>
+          <a:stretch>
+            <a:fillRect/>
+          </a:stretch>
+        </p:blipFill>
+        <p:spPr>
+          <a:xfrm>
+            <a:off x="328612" y="2571750"/>
+            <a:ext cx="8486775" cy="962025"/>
+          </a:xfrm>
+          <a:prstGeom prst="rect">
+            <a:avLst/>
+          </a:prstGeom>
+        </p:spPr>
+      </p:pic>
+    </p:spTree>
+    <p:extLst>
+      <p:ext uri="{BB962C8B-B14F-4D97-AF65-F5344CB8AC3E}">
+        <p14:creationId xmlns:p14="http://schemas.microsoft.com/office/powerpoint/2010/main" val="2041091680"/>
+      </p:ext>
+    </p:extLst>
+  </p:cSld>
+  <p:clrMapOvr>
+    <a:masterClrMapping/>
+  </p:clrMapOvr>
+</p:sld>
+</file>
+
+<file path=ppt/slides/slide5.xml><?xml version="1.0" encoding="utf-8"?>
+<p:sld xmlns:a="http://schemas.openxmlformats.org/drawingml/2006/main" xmlns:r="http://schemas.openxmlformats.org/officeDocument/2006/relationships" xmlns:p="http://schemas.openxmlformats.org/presentationml/2006/main">
+  <p:cSld>
+    <p:spTree>
+      <p:nvGrpSpPr>
         <p:cNvPr id="1" name=""/>
         <p:cNvGrpSpPr/>
         <p:nvPr/>
@@ -5489,7 +6913,7 @@
                   <a:spcPct val="0"/>
                 </a:spcAft>
               </a:pPr>
-              <a:t>3</a:t>
+              <a:t>5</a:t>
             </a:fld>
             <a:endParaRPr lang="en-US" dirty="0"/>
           </a:p>
